--- a/results/Simulation_10.10.2020/PhenotypePanel.pptx
+++ b/results/Simulation_10.10.2020/PhenotypePanel.pptx
@@ -107,6 +107,11 @@
       </a:defRPr>
     </a:lvl9pPr>
   </p:defaultTextStyle>
+  <p:extLst>
+    <p:ext uri="{EFAFB233-063F-42B5-8137-9DF3F51BA10A}">
+      <p15:sldGuideLst xmlns:p15="http://schemas.microsoft.com/office/powerpoint/2012/main"/>
+    </p:ext>
+  </p:extLst>
 </p:presentation>
 </file>
 
@@ -192,7 +197,7 @@
           <a:p>
             <a:fld id="{4F815249-8C05-F541-A16E-979E8C82DD15}" type="datetimeFigureOut">
               <a:rPr lang="en-US" smtClean="0"/>
-              <a:t>10/14/20</a:t>
+              <a:t>10/19/20</a:t>
             </a:fld>
             <a:endParaRPr lang="en-US"/>
           </a:p>
@@ -674,7 +679,7 @@
           <a:p>
             <a:fld id="{6E777AC3-57C3-2E41-968C-67A3D68A45E2}" type="datetimeFigureOut">
               <a:rPr lang="en-US" smtClean="0"/>
-              <a:t>10/14/20</a:t>
+              <a:t>10/19/20</a:t>
             </a:fld>
             <a:endParaRPr lang="en-US"/>
           </a:p>
@@ -844,7 +849,7 @@
           <a:p>
             <a:fld id="{6E777AC3-57C3-2E41-968C-67A3D68A45E2}" type="datetimeFigureOut">
               <a:rPr lang="en-US" smtClean="0"/>
-              <a:t>10/14/20</a:t>
+              <a:t>10/19/20</a:t>
             </a:fld>
             <a:endParaRPr lang="en-US"/>
           </a:p>
@@ -1024,7 +1029,7 @@
           <a:p>
             <a:fld id="{6E777AC3-57C3-2E41-968C-67A3D68A45E2}" type="datetimeFigureOut">
               <a:rPr lang="en-US" smtClean="0"/>
-              <a:t>10/14/20</a:t>
+              <a:t>10/19/20</a:t>
             </a:fld>
             <a:endParaRPr lang="en-US"/>
           </a:p>
@@ -1194,7 +1199,7 @@
           <a:p>
             <a:fld id="{6E777AC3-57C3-2E41-968C-67A3D68A45E2}" type="datetimeFigureOut">
               <a:rPr lang="en-US" smtClean="0"/>
-              <a:t>10/14/20</a:t>
+              <a:t>10/19/20</a:t>
             </a:fld>
             <a:endParaRPr lang="en-US"/>
           </a:p>
@@ -1438,7 +1443,7 @@
           <a:p>
             <a:fld id="{6E777AC3-57C3-2E41-968C-67A3D68A45E2}" type="datetimeFigureOut">
               <a:rPr lang="en-US" smtClean="0"/>
-              <a:t>10/14/20</a:t>
+              <a:t>10/19/20</a:t>
             </a:fld>
             <a:endParaRPr lang="en-US"/>
           </a:p>
@@ -1670,7 +1675,7 @@
           <a:p>
             <a:fld id="{6E777AC3-57C3-2E41-968C-67A3D68A45E2}" type="datetimeFigureOut">
               <a:rPr lang="en-US" smtClean="0"/>
-              <a:t>10/14/20</a:t>
+              <a:t>10/19/20</a:t>
             </a:fld>
             <a:endParaRPr lang="en-US"/>
           </a:p>
@@ -2037,7 +2042,7 @@
           <a:p>
             <a:fld id="{6E777AC3-57C3-2E41-968C-67A3D68A45E2}" type="datetimeFigureOut">
               <a:rPr lang="en-US" smtClean="0"/>
-              <a:t>10/14/20</a:t>
+              <a:t>10/19/20</a:t>
             </a:fld>
             <a:endParaRPr lang="en-US"/>
           </a:p>
@@ -2155,7 +2160,7 @@
           <a:p>
             <a:fld id="{6E777AC3-57C3-2E41-968C-67A3D68A45E2}" type="datetimeFigureOut">
               <a:rPr lang="en-US" smtClean="0"/>
-              <a:t>10/14/20</a:t>
+              <a:t>10/19/20</a:t>
             </a:fld>
             <a:endParaRPr lang="en-US"/>
           </a:p>
@@ -2250,7 +2255,7 @@
           <a:p>
             <a:fld id="{6E777AC3-57C3-2E41-968C-67A3D68A45E2}" type="datetimeFigureOut">
               <a:rPr lang="en-US" smtClean="0"/>
-              <a:t>10/14/20</a:t>
+              <a:t>10/19/20</a:t>
             </a:fld>
             <a:endParaRPr lang="en-US"/>
           </a:p>
@@ -2527,7 +2532,7 @@
           <a:p>
             <a:fld id="{6E777AC3-57C3-2E41-968C-67A3D68A45E2}" type="datetimeFigureOut">
               <a:rPr lang="en-US" smtClean="0"/>
-              <a:t>10/14/20</a:t>
+              <a:t>10/19/20</a:t>
             </a:fld>
             <a:endParaRPr lang="en-US"/>
           </a:p>
@@ -2784,7 +2789,7 @@
           <a:p>
             <a:fld id="{6E777AC3-57C3-2E41-968C-67A3D68A45E2}" type="datetimeFigureOut">
               <a:rPr lang="en-US" smtClean="0"/>
-              <a:t>10/14/20</a:t>
+              <a:t>10/19/20</a:t>
             </a:fld>
             <a:endParaRPr lang="en-US"/>
           </a:p>
@@ -2997,7 +3002,7 @@
           <a:p>
             <a:fld id="{6E777AC3-57C3-2E41-968C-67A3D68A45E2}" type="datetimeFigureOut">
               <a:rPr lang="en-US" smtClean="0"/>
-              <a:t>10/14/20</a:t>
+              <a:t>10/19/20</a:t>
             </a:fld>
             <a:endParaRPr lang="en-US"/>
           </a:p>
@@ -3416,8 +3421,8 @@
         </p:nvSpPr>
         <p:spPr>
           <a:xfrm>
-            <a:off x="2519172" y="0"/>
-            <a:ext cx="1099981" cy="369332"/>
+            <a:off x="2264356" y="52977"/>
+            <a:ext cx="1903085" cy="338554"/>
           </a:xfrm>
           <a:prstGeom prst="rect">
             <a:avLst/>
@@ -3431,14 +3436,23 @@
           <a:lstStyle/>
           <a:p>
             <a:r>
-              <a:rPr lang="en-US" dirty="0"/>
-              <a:t>Small </a:t>
-            </a:r>
-            <a:r>
-              <a:rPr lang="en-US" dirty="0" err="1"/>
+              <a:rPr lang="en-US" sz="1600" dirty="0">
+                <a:latin typeface="Times" pitchFamily="2" charset="0"/>
+                <a:cs typeface="Arial" panose="020B0604020202020204" pitchFamily="34" charset="0"/>
+              </a:rPr>
+              <a:t>Non-significant </a:t>
+            </a:r>
+            <a:r>
+              <a:rPr lang="en-US" sz="1600" dirty="0" err="1">
+                <a:latin typeface="Times" pitchFamily="2" charset="0"/>
+                <a:cs typeface="Arial" panose="020B0604020202020204" pitchFamily="34" charset="0"/>
+              </a:rPr>
               <a:t>GxE</a:t>
             </a:r>
-            <a:endParaRPr lang="en-US" dirty="0"/>
+            <a:endParaRPr lang="en-US" sz="1600" dirty="0">
+              <a:latin typeface="Times" pitchFamily="2" charset="0"/>
+              <a:cs typeface="Arial" panose="020B0604020202020204" pitchFamily="34" charset="0"/>
+            </a:endParaRPr>
           </a:p>
         </p:txBody>
       </p:sp>
@@ -3456,8 +3470,8 @@
         </p:nvSpPr>
         <p:spPr>
           <a:xfrm>
-            <a:off x="4423522" y="0"/>
-            <a:ext cx="1101327" cy="369332"/>
+            <a:off x="4706708" y="52977"/>
+            <a:ext cx="1515158" cy="338554"/>
           </a:xfrm>
           <a:prstGeom prst="rect">
             <a:avLst/>
@@ -3471,14 +3485,23 @@
           <a:lstStyle/>
           <a:p>
             <a:r>
-              <a:rPr lang="en-US" dirty="0"/>
-              <a:t>Large </a:t>
-            </a:r>
-            <a:r>
-              <a:rPr lang="en-US" dirty="0" err="1"/>
+              <a:rPr lang="en-US" sz="1600" dirty="0">
+                <a:latin typeface="Times" pitchFamily="2" charset="0"/>
+                <a:cs typeface="Arial" panose="020B0604020202020204" pitchFamily="34" charset="0"/>
+              </a:rPr>
+              <a:t>Significant </a:t>
+            </a:r>
+            <a:r>
+              <a:rPr lang="en-US" sz="1600" dirty="0" err="1">
+                <a:latin typeface="Times" pitchFamily="2" charset="0"/>
+                <a:cs typeface="Arial" panose="020B0604020202020204" pitchFamily="34" charset="0"/>
+              </a:rPr>
               <a:t>GxE</a:t>
             </a:r>
-            <a:endParaRPr lang="en-US" dirty="0"/>
+            <a:endParaRPr lang="en-US" sz="1600" dirty="0">
+              <a:latin typeface="Times" pitchFamily="2" charset="0"/>
+              <a:cs typeface="Arial" panose="020B0604020202020204" pitchFamily="34" charset="0"/>
+            </a:endParaRPr>
           </a:p>
         </p:txBody>
       </p:sp>
@@ -3496,8 +3519,8 @@
         </p:nvSpPr>
         <p:spPr>
           <a:xfrm rot="16200000">
-            <a:off x="1518246" y="824484"/>
-            <a:ext cx="706091" cy="369332"/>
+            <a:off x="1511736" y="1019757"/>
+            <a:ext cx="718466" cy="338554"/>
           </a:xfrm>
           <a:prstGeom prst="rect">
             <a:avLst/>
@@ -3511,10 +3534,16 @@
           <a:lstStyle/>
           <a:p>
             <a:r>
-              <a:rPr lang="en-US" dirty="0" err="1"/>
+              <a:rPr lang="en-US" sz="1600" dirty="0" err="1">
+                <a:latin typeface="Times" pitchFamily="2" charset="0"/>
+                <a:cs typeface="Arial" panose="020B0604020202020204" pitchFamily="34" charset="0"/>
+              </a:rPr>
               <a:t>CoGV</a:t>
             </a:r>
-            <a:endParaRPr lang="en-US" dirty="0"/>
+            <a:endParaRPr lang="en-US" sz="1600" dirty="0">
+              <a:latin typeface="Times" pitchFamily="2" charset="0"/>
+              <a:cs typeface="Arial" panose="020B0604020202020204" pitchFamily="34" charset="0"/>
+            </a:endParaRPr>
           </a:p>
         </p:txBody>
       </p:sp>
@@ -3532,8 +3561,8 @@
         </p:nvSpPr>
         <p:spPr>
           <a:xfrm rot="16200000">
-            <a:off x="1518246" y="2243330"/>
-            <a:ext cx="706091" cy="369332"/>
+            <a:off x="1511847" y="2360319"/>
+            <a:ext cx="718466" cy="338554"/>
           </a:xfrm>
           <a:prstGeom prst="rect">
             <a:avLst/>
@@ -3547,10 +3576,16 @@
           <a:lstStyle/>
           <a:p>
             <a:r>
-              <a:rPr lang="en-US" dirty="0" err="1"/>
+              <a:rPr lang="en-US" sz="1600" dirty="0" err="1">
+                <a:latin typeface="Times" pitchFamily="2" charset="0"/>
+                <a:cs typeface="Arial" panose="020B0604020202020204" pitchFamily="34" charset="0"/>
+              </a:rPr>
               <a:t>CnGV</a:t>
             </a:r>
-            <a:endParaRPr lang="en-US" dirty="0"/>
+            <a:endParaRPr lang="en-US" sz="1600" dirty="0">
+              <a:latin typeface="Times" pitchFamily="2" charset="0"/>
+              <a:cs typeface="Arial" panose="020B0604020202020204" pitchFamily="34" charset="0"/>
+            </a:endParaRPr>
           </a:p>
         </p:txBody>
       </p:sp>
@@ -3568,8 +3603,8 @@
         </p:nvSpPr>
         <p:spPr>
           <a:xfrm rot="16200000">
-            <a:off x="1509157" y="4063983"/>
-            <a:ext cx="706091" cy="369332"/>
+            <a:off x="1511847" y="3930004"/>
+            <a:ext cx="718466" cy="338554"/>
           </a:xfrm>
           <a:prstGeom prst="rect">
             <a:avLst/>
@@ -3583,10 +3618,16 @@
           <a:lstStyle/>
           <a:p>
             <a:r>
-              <a:rPr lang="en-US" dirty="0" err="1"/>
+              <a:rPr lang="en-US" sz="1600" dirty="0" err="1">
+                <a:latin typeface="Times" pitchFamily="2" charset="0"/>
+                <a:cs typeface="Arial" panose="020B0604020202020204" pitchFamily="34" charset="0"/>
+              </a:rPr>
               <a:t>CoGV</a:t>
             </a:r>
-            <a:endParaRPr lang="en-US" dirty="0"/>
+            <a:endParaRPr lang="en-US" sz="1600" dirty="0">
+              <a:latin typeface="Times" pitchFamily="2" charset="0"/>
+              <a:cs typeface="Arial" panose="020B0604020202020204" pitchFamily="34" charset="0"/>
+            </a:endParaRPr>
           </a:p>
         </p:txBody>
       </p:sp>
@@ -3604,8 +3645,8 @@
         </p:nvSpPr>
         <p:spPr>
           <a:xfrm rot="16200000">
-            <a:off x="1518247" y="5531589"/>
-            <a:ext cx="706091" cy="369332"/>
+            <a:off x="1511736" y="5499689"/>
+            <a:ext cx="718466" cy="338554"/>
           </a:xfrm>
           <a:prstGeom prst="rect">
             <a:avLst/>
@@ -3619,19 +3660,25 @@
           <a:lstStyle/>
           <a:p>
             <a:r>
-              <a:rPr lang="en-US" dirty="0" err="1"/>
+              <a:rPr lang="en-US" sz="1600" dirty="0" err="1">
+                <a:latin typeface="Times" pitchFamily="2" charset="0"/>
+                <a:cs typeface="Arial" panose="020B0604020202020204" pitchFamily="34" charset="0"/>
+              </a:rPr>
               <a:t>CnGV</a:t>
             </a:r>
-            <a:endParaRPr lang="en-US" dirty="0"/>
+            <a:endParaRPr lang="en-US" sz="1600" dirty="0">
+              <a:latin typeface="Times" pitchFamily="2" charset="0"/>
+              <a:cs typeface="Arial" panose="020B0604020202020204" pitchFamily="34" charset="0"/>
+            </a:endParaRPr>
           </a:p>
         </p:txBody>
       </p:sp>
       <p:pic>
         <p:nvPicPr>
-          <p:cNvPr id="29" name="Picture 28">
+          <p:cNvPr id="14" name="Picture 13">
             <a:extLst>
               <a:ext uri="{FF2B5EF4-FFF2-40B4-BE49-F238E27FC236}">
-                <a16:creationId xmlns:a16="http://schemas.microsoft.com/office/drawing/2014/main" id="{69CEEB09-4189-E84C-8CA3-D44822137DC7}"/>
+                <a16:creationId xmlns:a16="http://schemas.microsoft.com/office/drawing/2014/main" id="{B3738B0C-6A9E-4241-98DB-8E957F2FF7AC}"/>
               </a:ext>
             </a:extLst>
           </p:cNvPr>
@@ -3648,7 +3695,7 @@
         </p:blipFill>
         <p:spPr>
           <a:xfrm>
-            <a:off x="2046868" y="372014"/>
+            <a:off x="2079719" y="467334"/>
             <a:ext cx="2272360" cy="1600200"/>
           </a:xfrm>
           <a:prstGeom prst="rect">
@@ -3658,10 +3705,10 @@
       </p:pic>
       <p:pic>
         <p:nvPicPr>
-          <p:cNvPr id="37" name="Picture 36">
+          <p:cNvPr id="16" name="Picture 15">
             <a:extLst>
               <a:ext uri="{FF2B5EF4-FFF2-40B4-BE49-F238E27FC236}">
-                <a16:creationId xmlns:a16="http://schemas.microsoft.com/office/drawing/2014/main" id="{09109251-C9AE-AD41-B15D-17CCFA449AA8}"/>
+                <a16:creationId xmlns:a16="http://schemas.microsoft.com/office/drawing/2014/main" id="{D21C0274-95F7-634D-8401-185A2591E8EC}"/>
               </a:ext>
             </a:extLst>
           </p:cNvPr>
@@ -3678,7 +3725,7 @@
         </p:blipFill>
         <p:spPr>
           <a:xfrm>
-            <a:off x="2055958" y="3567614"/>
+            <a:off x="2079719" y="1965331"/>
             <a:ext cx="2272360" cy="1600200"/>
           </a:xfrm>
           <a:prstGeom prst="rect">
@@ -3688,10 +3735,10 @@
       </p:pic>
       <p:pic>
         <p:nvPicPr>
-          <p:cNvPr id="39" name="Picture 38">
+          <p:cNvPr id="26" name="Picture 25">
             <a:extLst>
               <a:ext uri="{FF2B5EF4-FFF2-40B4-BE49-F238E27FC236}">
-                <a16:creationId xmlns:a16="http://schemas.microsoft.com/office/drawing/2014/main" id="{19683B26-0648-AE4C-8423-7CB7CFE5B4AF}"/>
+                <a16:creationId xmlns:a16="http://schemas.microsoft.com/office/drawing/2014/main" id="{7694F7A8-A165-5B43-B873-90C9D432F047}"/>
               </a:ext>
             </a:extLst>
           </p:cNvPr>
@@ -3708,7 +3755,7 @@
         </p:blipFill>
         <p:spPr>
           <a:xfrm>
-            <a:off x="2046868" y="1828800"/>
+            <a:off x="4328107" y="467334"/>
             <a:ext cx="2272360" cy="1600200"/>
           </a:xfrm>
           <a:prstGeom prst="rect">
@@ -3718,10 +3765,10 @@
       </p:pic>
       <p:pic>
         <p:nvPicPr>
-          <p:cNvPr id="41" name="Picture 40">
+          <p:cNvPr id="18" name="Picture 17">
             <a:extLst>
               <a:ext uri="{FF2B5EF4-FFF2-40B4-BE49-F238E27FC236}">
-                <a16:creationId xmlns:a16="http://schemas.microsoft.com/office/drawing/2014/main" id="{0939C907-AAF5-2948-8750-59B89344514E}"/>
+                <a16:creationId xmlns:a16="http://schemas.microsoft.com/office/drawing/2014/main" id="{DE451A2D-A27E-9140-8DC2-77282C72EFF7}"/>
               </a:ext>
             </a:extLst>
           </p:cNvPr>
@@ -3738,7 +3785,7 @@
         </p:blipFill>
         <p:spPr>
           <a:xfrm>
-            <a:off x="4232889" y="372014"/>
+            <a:off x="4328107" y="1965031"/>
             <a:ext cx="2272360" cy="1600200"/>
           </a:xfrm>
           <a:prstGeom prst="rect">
@@ -3748,10 +3795,10 @@
       </p:pic>
       <p:pic>
         <p:nvPicPr>
-          <p:cNvPr id="43" name="Picture 42">
+          <p:cNvPr id="12" name="Picture 11">
             <a:extLst>
               <a:ext uri="{FF2B5EF4-FFF2-40B4-BE49-F238E27FC236}">
-                <a16:creationId xmlns:a16="http://schemas.microsoft.com/office/drawing/2014/main" id="{D62771DB-805D-8A45-9E59-5ECE8F51B540}"/>
+                <a16:creationId xmlns:a16="http://schemas.microsoft.com/office/drawing/2014/main" id="{BE0F2AFB-238F-AF4C-BE8A-44F41187B7BD}"/>
               </a:ext>
             </a:extLst>
           </p:cNvPr>
@@ -3768,7 +3815,7 @@
         </p:blipFill>
         <p:spPr>
           <a:xfrm>
-            <a:off x="4232889" y="3567674"/>
+            <a:off x="2079719" y="3462728"/>
             <a:ext cx="2272360" cy="1600200"/>
           </a:xfrm>
           <a:prstGeom prst="rect">
@@ -3778,10 +3825,10 @@
       </p:pic>
       <p:pic>
         <p:nvPicPr>
-          <p:cNvPr id="33" name="Picture 32">
+          <p:cNvPr id="10" name="Picture 9">
             <a:extLst>
               <a:ext uri="{FF2B5EF4-FFF2-40B4-BE49-F238E27FC236}">
-                <a16:creationId xmlns:a16="http://schemas.microsoft.com/office/drawing/2014/main" id="{AEAE2ED4-C8C0-B445-8C9C-79C74FC7E514}"/>
+                <a16:creationId xmlns:a16="http://schemas.microsoft.com/office/drawing/2014/main" id="{E1F9CFBB-1A0F-014F-8A38-8809152658AB}"/>
               </a:ext>
             </a:extLst>
           </p:cNvPr>
@@ -3798,7 +3845,7 @@
         </p:blipFill>
         <p:spPr>
           <a:xfrm>
-            <a:off x="4232889" y="1828800"/>
+            <a:off x="2079719" y="4943131"/>
             <a:ext cx="2272360" cy="1600200"/>
           </a:xfrm>
           <a:prstGeom prst="rect">
@@ -3808,10 +3855,10 @@
       </p:pic>
       <p:pic>
         <p:nvPicPr>
-          <p:cNvPr id="35" name="Picture 34">
+          <p:cNvPr id="28" name="Picture 27">
             <a:extLst>
               <a:ext uri="{FF2B5EF4-FFF2-40B4-BE49-F238E27FC236}">
-                <a16:creationId xmlns:a16="http://schemas.microsoft.com/office/drawing/2014/main" id="{31838E00-C46A-9A43-94C6-338FCAEBAECF}"/>
+                <a16:creationId xmlns:a16="http://schemas.microsoft.com/office/drawing/2014/main" id="{917CCB39-32E9-CD40-A70F-68113463AEC7}"/>
               </a:ext>
             </a:extLst>
           </p:cNvPr>
@@ -3828,7 +3875,7 @@
         </p:blipFill>
         <p:spPr>
           <a:xfrm>
-            <a:off x="2046868" y="5026763"/>
+            <a:off x="4328107" y="3448549"/>
             <a:ext cx="2272360" cy="1600200"/>
           </a:xfrm>
           <a:prstGeom prst="rect">
@@ -3838,10 +3885,10 @@
       </p:pic>
       <p:pic>
         <p:nvPicPr>
-          <p:cNvPr id="31" name="Picture 30">
+          <p:cNvPr id="8" name="Picture 7">
             <a:extLst>
               <a:ext uri="{FF2B5EF4-FFF2-40B4-BE49-F238E27FC236}">
-                <a16:creationId xmlns:a16="http://schemas.microsoft.com/office/drawing/2014/main" id="{BB1409B7-9159-A44E-9E04-543705CA12E9}"/>
+                <a16:creationId xmlns:a16="http://schemas.microsoft.com/office/drawing/2014/main" id="{AAC43443-325A-DC4C-9C66-5CB69B5467A7}"/>
               </a:ext>
             </a:extLst>
           </p:cNvPr>
@@ -3858,7 +3905,7 @@
         </p:blipFill>
         <p:spPr>
           <a:xfrm>
-            <a:off x="4232889" y="5026763"/>
+            <a:off x="4328107" y="4946246"/>
             <a:ext cx="2272360" cy="1600200"/>
           </a:xfrm>
           <a:prstGeom prst="rect">
